--- a/res/ui/resources/양액관리.pptx
+++ b/res/ui/resources/양액관리.pptx
@@ -203,7 +203,7 @@
           <a:p>
             <a:fld id="{AAD60D41-1584-4BB3-9863-9A59B62550CE}" type="datetimeFigureOut">
               <a:rPr lang="ko-KR" altLang="en-US" smtClean="0"/>
-              <a:t>2019-07-10</a:t>
+              <a:t>2019-08-19</a:t>
             </a:fld>
             <a:endParaRPr lang="ko-KR" altLang="en-US"/>
           </a:p>
@@ -786,7 +786,7 @@
           <a:p>
             <a:fld id="{F05E6AFC-9E84-4584-811E-9A9890D7539F}" type="datetimeFigureOut">
               <a:rPr lang="ko-KR" altLang="en-US" smtClean="0"/>
-              <a:t>2019-07-10</a:t>
+              <a:t>2019-08-19</a:t>
             </a:fld>
             <a:endParaRPr lang="ko-KR" altLang="en-US"/>
           </a:p>
@@ -984,7 +984,7 @@
           <a:p>
             <a:fld id="{F05E6AFC-9E84-4584-811E-9A9890D7539F}" type="datetimeFigureOut">
               <a:rPr lang="ko-KR" altLang="en-US" smtClean="0"/>
-              <a:t>2019-07-10</a:t>
+              <a:t>2019-08-19</a:t>
             </a:fld>
             <a:endParaRPr lang="ko-KR" altLang="en-US"/>
           </a:p>
@@ -1192,7 +1192,7 @@
           <a:p>
             <a:fld id="{F05E6AFC-9E84-4584-811E-9A9890D7539F}" type="datetimeFigureOut">
               <a:rPr lang="ko-KR" altLang="en-US" smtClean="0"/>
-              <a:t>2019-07-10</a:t>
+              <a:t>2019-08-19</a:t>
             </a:fld>
             <a:endParaRPr lang="ko-KR" altLang="en-US"/>
           </a:p>
@@ -1390,7 +1390,7 @@
           <a:p>
             <a:fld id="{F05E6AFC-9E84-4584-811E-9A9890D7539F}" type="datetimeFigureOut">
               <a:rPr lang="ko-KR" altLang="en-US" smtClean="0"/>
-              <a:t>2019-07-10</a:t>
+              <a:t>2019-08-19</a:t>
             </a:fld>
             <a:endParaRPr lang="ko-KR" altLang="en-US"/>
           </a:p>
@@ -1665,7 +1665,7 @@
           <a:p>
             <a:fld id="{F05E6AFC-9E84-4584-811E-9A9890D7539F}" type="datetimeFigureOut">
               <a:rPr lang="ko-KR" altLang="en-US" smtClean="0"/>
-              <a:t>2019-07-10</a:t>
+              <a:t>2019-08-19</a:t>
             </a:fld>
             <a:endParaRPr lang="ko-KR" altLang="en-US"/>
           </a:p>
@@ -1930,7 +1930,7 @@
           <a:p>
             <a:fld id="{F05E6AFC-9E84-4584-811E-9A9890D7539F}" type="datetimeFigureOut">
               <a:rPr lang="ko-KR" altLang="en-US" smtClean="0"/>
-              <a:t>2019-07-10</a:t>
+              <a:t>2019-08-19</a:t>
             </a:fld>
             <a:endParaRPr lang="ko-KR" altLang="en-US"/>
           </a:p>
@@ -2342,7 +2342,7 @@
           <a:p>
             <a:fld id="{F05E6AFC-9E84-4584-811E-9A9890D7539F}" type="datetimeFigureOut">
               <a:rPr lang="ko-KR" altLang="en-US" smtClean="0"/>
-              <a:t>2019-07-10</a:t>
+              <a:t>2019-08-19</a:t>
             </a:fld>
             <a:endParaRPr lang="ko-KR" altLang="en-US"/>
           </a:p>
@@ -2483,7 +2483,7 @@
           <a:p>
             <a:fld id="{F05E6AFC-9E84-4584-811E-9A9890D7539F}" type="datetimeFigureOut">
               <a:rPr lang="ko-KR" altLang="en-US" smtClean="0"/>
-              <a:t>2019-07-10</a:t>
+              <a:t>2019-08-19</a:t>
             </a:fld>
             <a:endParaRPr lang="ko-KR" altLang="en-US"/>
           </a:p>
@@ -2596,7 +2596,7 @@
           <a:p>
             <a:fld id="{F05E6AFC-9E84-4584-811E-9A9890D7539F}" type="datetimeFigureOut">
               <a:rPr lang="ko-KR" altLang="en-US" smtClean="0"/>
-              <a:t>2019-07-10</a:t>
+              <a:t>2019-08-19</a:t>
             </a:fld>
             <a:endParaRPr lang="ko-KR" altLang="en-US"/>
           </a:p>
@@ -2907,7 +2907,7 @@
           <a:p>
             <a:fld id="{F05E6AFC-9E84-4584-811E-9A9890D7539F}" type="datetimeFigureOut">
               <a:rPr lang="ko-KR" altLang="en-US" smtClean="0"/>
-              <a:t>2019-07-10</a:t>
+              <a:t>2019-08-19</a:t>
             </a:fld>
             <a:endParaRPr lang="ko-KR" altLang="en-US"/>
           </a:p>
@@ -3195,7 +3195,7 @@
           <a:p>
             <a:fld id="{F05E6AFC-9E84-4584-811E-9A9890D7539F}" type="datetimeFigureOut">
               <a:rPr lang="ko-KR" altLang="en-US" smtClean="0"/>
-              <a:t>2019-07-10</a:t>
+              <a:t>2019-08-19</a:t>
             </a:fld>
             <a:endParaRPr lang="ko-KR" altLang="en-US"/>
           </a:p>
@@ -3436,7 +3436,7 @@
           <a:p>
             <a:fld id="{F05E6AFC-9E84-4584-811E-9A9890D7539F}" type="datetimeFigureOut">
               <a:rPr lang="ko-KR" altLang="en-US" smtClean="0"/>
-              <a:t>2019-07-10</a:t>
+              <a:t>2019-08-19</a:t>
             </a:fld>
             <a:endParaRPr lang="ko-KR" altLang="en-US"/>
           </a:p>
@@ -5328,6 +5328,64 @@
             <a:avLst/>
           </a:prstGeom>
           <a:noFill/>
+          <a:ln w="101600">
+            <a:gradFill>
+              <a:gsLst>
+                <a:gs pos="0">
+                  <a:srgbClr val="B1DC3D"/>
+                </a:gs>
+                <a:gs pos="100000">
+                  <a:srgbClr val="29BF41"/>
+                </a:gs>
+              </a:gsLst>
+              <a:lin ang="2700000" scaled="0"/>
+            </a:gradFill>
+          </a:ln>
+        </p:spPr>
+        <p:style>
+          <a:lnRef idx="2">
+            <a:schemeClr val="accent1">
+              <a:shade val="50000"/>
+            </a:schemeClr>
+          </a:lnRef>
+          <a:fillRef idx="1">
+            <a:schemeClr val="accent1"/>
+          </a:fillRef>
+          <a:effectRef idx="0">
+            <a:schemeClr val="accent1"/>
+          </a:effectRef>
+          <a:fontRef idx="minor">
+            <a:schemeClr val="lt1"/>
+          </a:fontRef>
+        </p:style>
+        <p:txBody>
+          <a:bodyPr rtlCol="0" anchor="ctr"/>
+          <a:lstStyle/>
+          <a:p>
+            <a:pPr algn="ctr"/>
+            <a:endParaRPr lang="ko-KR" altLang="en-US"/>
+          </a:p>
+        </p:txBody>
+      </p:sp>
+      <p:sp>
+        <p:nvSpPr>
+          <p:cNvPr id="6" name="타원 5"/>
+          <p:cNvSpPr/>
+          <p:nvPr/>
+        </p:nvSpPr>
+        <p:spPr>
+          <a:xfrm>
+            <a:off x="7439221" y="1972491"/>
+            <a:ext cx="1609200" cy="1656000"/>
+          </a:xfrm>
+          <a:prstGeom prst="ellipse">
+            <a:avLst/>
+          </a:prstGeom>
+          <a:solidFill>
+            <a:srgbClr val="FFFFFF">
+              <a:alpha val="69804"/>
+            </a:srgbClr>
+          </a:solidFill>
           <a:ln w="101600">
             <a:gradFill>
               <a:gsLst>
